--- a/Primeira-Apresentação.pptx
+++ b/Primeira-Apresentação.pptx
@@ -6,8 +6,10 @@
   </p:sldMasterIdLst>
   <p:sldIdLst>
     <p:sldId id="256" r:id="rId2"/>
-    <p:sldId id="257" r:id="rId3"/>
-    <p:sldId id="258" r:id="rId4"/>
+    <p:sldId id="260" r:id="rId3"/>
+    <p:sldId id="257" r:id="rId4"/>
+    <p:sldId id="258" r:id="rId5"/>
+    <p:sldId id="259" r:id="rId6"/>
   </p:sldIdLst>
   <p:sldSz cx="12192000" cy="6858000"/>
   <p:notesSz cx="6858000" cy="9144000"/>
@@ -106,6 +108,11 @@
       </a:defRPr>
     </a:lvl9pPr>
   </p:defaultTextStyle>
+  <p:extLst>
+    <p:ext uri="{EFAFB233-063F-42B5-8137-9DF3F51BA10A}">
+      <p15:sldGuideLst xmlns:p15="http://schemas.microsoft.com/office/powerpoint/2012/main"/>
+    </p:ext>
+  </p:extLst>
 </p:presentation>
 </file>
 
@@ -294,7 +301,7 @@
           <a:p>
             <a:fld id="{62D6E202-B606-4609-B914-27C9371A1F6D}" type="datetime1">
               <a:rPr lang="en-US" smtClean="0"/>
-              <a:t>11/26/2019</a:t>
+              <a:t>11/27/2019</a:t>
             </a:fld>
             <a:endParaRPr lang="en-US" dirty="0"/>
           </a:p>
@@ -593,7 +600,7 @@
           <a:p>
             <a:fld id="{62D6E202-B606-4609-B914-27C9371A1F6D}" type="datetime1">
               <a:rPr lang="en-US" smtClean="0"/>
-              <a:t>11/26/2019</a:t>
+              <a:t>11/27/2019</a:t>
             </a:fld>
             <a:endParaRPr lang="en-US" dirty="0"/>
           </a:p>
@@ -786,7 +793,7 @@
           <a:p>
             <a:fld id="{62D6E202-B606-4609-B914-27C9371A1F6D}" type="datetime1">
               <a:rPr lang="en-US" smtClean="0"/>
-              <a:t>11/26/2019</a:t>
+              <a:t>11/27/2019</a:t>
             </a:fld>
             <a:endParaRPr lang="en-US" dirty="0"/>
           </a:p>
@@ -1048,7 +1055,7 @@
           <a:p>
             <a:fld id="{62D6E202-B606-4609-B914-27C9371A1F6D}" type="datetime1">
               <a:rPr lang="en-US" smtClean="0"/>
-              <a:t>11/26/2019</a:t>
+              <a:t>11/27/2019</a:t>
             </a:fld>
             <a:endParaRPr lang="en-US" dirty="0"/>
           </a:p>
@@ -1473,7 +1480,7 @@
           <a:p>
             <a:fld id="{62D6E202-B606-4609-B914-27C9371A1F6D}" type="datetime1">
               <a:rPr lang="en-US" smtClean="0"/>
-              <a:t>11/26/2019</a:t>
+              <a:t>11/27/2019</a:t>
             </a:fld>
             <a:endParaRPr lang="en-US" dirty="0"/>
           </a:p>
@@ -2011,7 +2018,7 @@
           <a:p>
             <a:fld id="{62D6E202-B606-4609-B914-27C9371A1F6D}" type="datetime1">
               <a:rPr lang="en-US" smtClean="0"/>
-              <a:t>11/26/2019</a:t>
+              <a:t>11/27/2019</a:t>
             </a:fld>
             <a:endParaRPr lang="en-US" dirty="0"/>
           </a:p>
@@ -2876,7 +2883,7 @@
           <a:p>
             <a:fld id="{62D6E202-B606-4609-B914-27C9371A1F6D}" type="datetime1">
               <a:rPr lang="en-US" smtClean="0"/>
-              <a:t>11/26/2019</a:t>
+              <a:t>11/27/2019</a:t>
             </a:fld>
             <a:endParaRPr lang="en-US" dirty="0"/>
           </a:p>
@@ -3047,7 +3054,7 @@
           <a:p>
             <a:fld id="{62D6E202-B606-4609-B914-27C9371A1F6D}" type="datetime1">
               <a:rPr lang="en-US" smtClean="0"/>
-              <a:t>11/26/2019</a:t>
+              <a:t>11/27/2019</a:t>
             </a:fld>
             <a:endParaRPr lang="en-US" dirty="0"/>
           </a:p>
@@ -3232,7 +3239,7 @@
           <a:p>
             <a:fld id="{62D6E202-B606-4609-B914-27C9371A1F6D}" type="datetime1">
               <a:rPr lang="en-US" smtClean="0"/>
-              <a:t>11/26/2019</a:t>
+              <a:t>11/27/2019</a:t>
             </a:fld>
             <a:endParaRPr lang="en-US" dirty="0"/>
           </a:p>
@@ -3403,7 +3410,7 @@
           <a:p>
             <a:fld id="{62D6E202-B606-4609-B914-27C9371A1F6D}" type="datetime1">
               <a:rPr lang="en-US" smtClean="0"/>
-              <a:t>11/26/2019</a:t>
+              <a:t>11/27/2019</a:t>
             </a:fld>
             <a:endParaRPr lang="en-US" dirty="0"/>
           </a:p>
@@ -3648,7 +3655,7 @@
           <a:p>
             <a:fld id="{62D6E202-B606-4609-B914-27C9371A1F6D}" type="datetime1">
               <a:rPr lang="en-US" smtClean="0"/>
-              <a:t>11/26/2019</a:t>
+              <a:t>11/27/2019</a:t>
             </a:fld>
             <a:endParaRPr lang="en-US" dirty="0"/>
           </a:p>
@@ -3885,7 +3892,7 @@
           <a:p>
             <a:fld id="{62D6E202-B606-4609-B914-27C9371A1F6D}" type="datetime1">
               <a:rPr lang="en-US" smtClean="0"/>
-              <a:t>11/26/2019</a:t>
+              <a:t>11/27/2019</a:t>
             </a:fld>
             <a:endParaRPr lang="en-US" dirty="0"/>
           </a:p>
@@ -4352,7 +4359,7 @@
           <a:p>
             <a:fld id="{62D6E202-B606-4609-B914-27C9371A1F6D}" type="datetime1">
               <a:rPr lang="en-US" smtClean="0"/>
-              <a:t>11/26/2019</a:t>
+              <a:t>11/27/2019</a:t>
             </a:fld>
             <a:endParaRPr lang="en-US" dirty="0"/>
           </a:p>
@@ -4471,7 +4478,7 @@
           <a:p>
             <a:fld id="{62D6E202-B606-4609-B914-27C9371A1F6D}" type="datetime1">
               <a:rPr lang="en-US" smtClean="0"/>
-              <a:t>11/26/2019</a:t>
+              <a:t>11/27/2019</a:t>
             </a:fld>
             <a:endParaRPr lang="en-US" dirty="0"/>
           </a:p>
@@ -4567,7 +4574,7 @@
           <a:p>
             <a:fld id="{62D6E202-B606-4609-B914-27C9371A1F6D}" type="datetime1">
               <a:rPr lang="en-US" smtClean="0"/>
-              <a:t>11/26/2019</a:t>
+              <a:t>11/27/2019</a:t>
             </a:fld>
             <a:endParaRPr lang="en-US" dirty="0"/>
           </a:p>
@@ -4823,7 +4830,7 @@
           <a:p>
             <a:fld id="{62D6E202-B606-4609-B914-27C9371A1F6D}" type="datetime1">
               <a:rPr lang="en-US" smtClean="0"/>
-              <a:t>11/26/2019</a:t>
+              <a:t>11/27/2019</a:t>
             </a:fld>
             <a:endParaRPr lang="en-US" dirty="0"/>
           </a:p>
@@ -5124,7 +5131,7 @@
           <a:p>
             <a:fld id="{62D6E202-B606-4609-B914-27C9371A1F6D}" type="datetime1">
               <a:rPr lang="en-US" smtClean="0"/>
-              <a:t>11/26/2019</a:t>
+              <a:t>11/27/2019</a:t>
             </a:fld>
             <a:endParaRPr lang="en-US" dirty="0"/>
           </a:p>
@@ -5359,7 +5366,7 @@
           <a:p>
             <a:fld id="{62D6E202-B606-4609-B914-27C9371A1F6D}" type="datetime1">
               <a:rPr lang="en-US" smtClean="0"/>
-              <a:t>11/26/2019</a:t>
+              <a:t>11/27/2019</a:t>
             </a:fld>
             <a:endParaRPr lang="en-US" dirty="0"/>
           </a:p>
@@ -6204,6 +6211,154 @@
           <p:cNvPr id="2" name="Título 1">
             <a:extLst>
               <a:ext uri="{FF2B5EF4-FFF2-40B4-BE49-F238E27FC236}">
+                <a16:creationId xmlns:a16="http://schemas.microsoft.com/office/drawing/2014/main" id="{E7C2D2B2-299E-4DC6-B47E-D83B996E11D5}"/>
+              </a:ext>
+            </a:extLst>
+          </p:cNvPr>
+          <p:cNvSpPr>
+            <a:spLocks noGrp="1"/>
+          </p:cNvSpPr>
+          <p:nvPr>
+            <p:ph type="title"/>
+          </p:nvPr>
+        </p:nvSpPr>
+        <p:spPr/>
+        <p:txBody>
+          <a:bodyPr/>
+          <a:lstStyle/>
+          <a:p>
+            <a:r>
+              <a:rPr lang="pt-PT" dirty="0"/>
+              <a:t>O que já foi feito</a:t>
+            </a:r>
+          </a:p>
+        </p:txBody>
+      </p:sp>
+      <p:sp>
+        <p:nvSpPr>
+          <p:cNvPr id="3" name="Marcador de Posição de Conteúdo 2">
+            <a:extLst>
+              <a:ext uri="{FF2B5EF4-FFF2-40B4-BE49-F238E27FC236}">
+                <a16:creationId xmlns:a16="http://schemas.microsoft.com/office/drawing/2014/main" id="{A47CB329-5850-4275-A9EE-CE4A483AA9B5}"/>
+              </a:ext>
+            </a:extLst>
+          </p:cNvPr>
+          <p:cNvSpPr>
+            <a:spLocks noGrp="1"/>
+          </p:cNvSpPr>
+          <p:nvPr>
+            <p:ph idx="1"/>
+          </p:nvPr>
+        </p:nvSpPr>
+        <p:spPr/>
+        <p:txBody>
+          <a:bodyPr>
+            <a:normAutofit/>
+          </a:bodyPr>
+          <a:lstStyle/>
+          <a:p>
+            <a:r>
+              <a:rPr lang="pt-PT" dirty="0"/>
+              <a:t>Diagramas UML</a:t>
+            </a:r>
+          </a:p>
+          <a:p>
+            <a:pPr lvl="1"/>
+            <a:r>
+              <a:rPr lang="pt-PT" dirty="0"/>
+              <a:t>Casos de Uso</a:t>
+            </a:r>
+          </a:p>
+          <a:p>
+            <a:pPr lvl="1"/>
+            <a:r>
+              <a:rPr lang="pt-PT" dirty="0"/>
+              <a:t>Diagrama de Classes</a:t>
+            </a:r>
+          </a:p>
+          <a:p>
+            <a:pPr marL="36900" indent="0">
+              <a:buNone/>
+            </a:pPr>
+            <a:endParaRPr lang="pt-PT" dirty="0"/>
+          </a:p>
+          <a:p>
+            <a:r>
+              <a:rPr lang="pt-PT" dirty="0"/>
+              <a:t>Código</a:t>
+            </a:r>
+          </a:p>
+          <a:p>
+            <a:pPr lvl="1"/>
+            <a:r>
+              <a:rPr lang="pt-PT" dirty="0"/>
+              <a:t>Modelos</a:t>
+            </a:r>
+          </a:p>
+          <a:p>
+            <a:pPr lvl="1"/>
+            <a:r>
+              <a:rPr lang="pt-PT" dirty="0"/>
+              <a:t>Repositórios</a:t>
+            </a:r>
+          </a:p>
+          <a:p>
+            <a:pPr lvl="1"/>
+            <a:r>
+              <a:rPr lang="pt-PT" dirty="0"/>
+              <a:t>Controladores</a:t>
+            </a:r>
+          </a:p>
+          <a:p>
+            <a:pPr lvl="1"/>
+            <a:r>
+              <a:rPr lang="pt-PT" dirty="0"/>
+              <a:t>Testes</a:t>
+            </a:r>
+          </a:p>
+          <a:p>
+            <a:pPr marL="36900" indent="0">
+              <a:buNone/>
+            </a:pPr>
+            <a:endParaRPr lang="pt-PT" dirty="0"/>
+          </a:p>
+        </p:txBody>
+      </p:sp>
+    </p:spTree>
+    <p:extLst>
+      <p:ext uri="{BB962C8B-B14F-4D97-AF65-F5344CB8AC3E}">
+        <p14:creationId xmlns:p14="http://schemas.microsoft.com/office/powerpoint/2010/main" val="1585364040"/>
+      </p:ext>
+    </p:extLst>
+  </p:cSld>
+  <p:clrMapOvr>
+    <a:masterClrMapping/>
+  </p:clrMapOvr>
+</p:sld>
+</file>
+
+<file path=ppt/slides/slide3.xml><?xml version="1.0" encoding="utf-8"?>
+<p:sld xmlns:a="http://schemas.openxmlformats.org/drawingml/2006/main" xmlns:r="http://schemas.openxmlformats.org/officeDocument/2006/relationships" xmlns:p="http://schemas.openxmlformats.org/presentationml/2006/main">
+  <p:cSld>
+    <p:spTree>
+      <p:nvGrpSpPr>
+        <p:cNvPr id="1" name=""/>
+        <p:cNvGrpSpPr/>
+        <p:nvPr/>
+      </p:nvGrpSpPr>
+      <p:grpSpPr>
+        <a:xfrm>
+          <a:off x="0" y="0"/>
+          <a:ext cx="0" cy="0"/>
+          <a:chOff x="0" y="0"/>
+          <a:chExt cx="0" cy="0"/>
+        </a:xfrm>
+      </p:grpSpPr>
+      <p:sp>
+        <p:nvSpPr>
+          <p:cNvPr id="2" name="Título 1">
+            <a:extLst>
+              <a:ext uri="{FF2B5EF4-FFF2-40B4-BE49-F238E27FC236}">
                 <a16:creationId xmlns:a16="http://schemas.microsoft.com/office/drawing/2014/main" id="{9AD90674-C0B1-4933-B3B5-BBD62B3A5CFD}"/>
               </a:ext>
             </a:extLst>
@@ -6277,7 +6432,7 @@
 </p:sld>
 </file>
 
-<file path=ppt/slides/slide3.xml><?xml version="1.0" encoding="utf-8"?>
+<file path=ppt/slides/slide4.xml><?xml version="1.0" encoding="utf-8"?>
 <p:sld xmlns:a="http://schemas.openxmlformats.org/drawingml/2006/main" xmlns:r="http://schemas.openxmlformats.org/officeDocument/2006/relationships" xmlns:p="http://schemas.openxmlformats.org/presentationml/2006/main">
   <p:cSld>
     <p:spTree>
@@ -6356,6 +6511,157 @@
     <p:extLst>
       <p:ext uri="{BB962C8B-B14F-4D97-AF65-F5344CB8AC3E}">
         <p14:creationId xmlns:p14="http://schemas.microsoft.com/office/powerpoint/2010/main" val="3180608931"/>
+      </p:ext>
+    </p:extLst>
+  </p:cSld>
+  <p:clrMapOvr>
+    <a:masterClrMapping/>
+  </p:clrMapOvr>
+</p:sld>
+</file>
+
+<file path=ppt/slides/slide5.xml><?xml version="1.0" encoding="utf-8"?>
+<p:sld xmlns:a="http://schemas.openxmlformats.org/drawingml/2006/main" xmlns:r="http://schemas.openxmlformats.org/officeDocument/2006/relationships" xmlns:p="http://schemas.openxmlformats.org/presentationml/2006/main">
+  <p:cSld>
+    <p:spTree>
+      <p:nvGrpSpPr>
+        <p:cNvPr id="1" name=""/>
+        <p:cNvGrpSpPr/>
+        <p:nvPr/>
+      </p:nvGrpSpPr>
+      <p:grpSpPr>
+        <a:xfrm>
+          <a:off x="0" y="0"/>
+          <a:ext cx="0" cy="0"/>
+          <a:chOff x="0" y="0"/>
+          <a:chExt cx="0" cy="0"/>
+        </a:xfrm>
+      </p:grpSpPr>
+      <p:sp>
+        <p:nvSpPr>
+          <p:cNvPr id="2" name="Título 1">
+            <a:extLst>
+              <a:ext uri="{FF2B5EF4-FFF2-40B4-BE49-F238E27FC236}">
+                <a16:creationId xmlns:a16="http://schemas.microsoft.com/office/drawing/2014/main" id="{FA08AE78-1017-4B10-9E79-CC9E44F6AC9D}"/>
+              </a:ext>
+            </a:extLst>
+          </p:cNvPr>
+          <p:cNvSpPr>
+            <a:spLocks noGrp="1"/>
+          </p:cNvSpPr>
+          <p:nvPr>
+            <p:ph type="title"/>
+          </p:nvPr>
+        </p:nvSpPr>
+        <p:spPr/>
+        <p:txBody>
+          <a:bodyPr>
+            <a:normAutofit/>
+          </a:bodyPr>
+          <a:lstStyle/>
+          <a:p>
+            <a:r>
+              <a:rPr lang="pt-PT" dirty="0"/>
+              <a:t>Problemas Encontrados e Próximas Tarefas</a:t>
+            </a:r>
+          </a:p>
+        </p:txBody>
+      </p:sp>
+      <p:sp>
+        <p:nvSpPr>
+          <p:cNvPr id="3" name="Marcador de Posição de Conteúdo 2">
+            <a:extLst>
+              <a:ext uri="{FF2B5EF4-FFF2-40B4-BE49-F238E27FC236}">
+                <a16:creationId xmlns:a16="http://schemas.microsoft.com/office/drawing/2014/main" id="{110F223F-E823-4A5A-87DA-6135442C6832}"/>
+              </a:ext>
+            </a:extLst>
+          </p:cNvPr>
+          <p:cNvSpPr>
+            <a:spLocks noGrp="1"/>
+          </p:cNvSpPr>
+          <p:nvPr>
+            <p:ph idx="1"/>
+          </p:nvPr>
+        </p:nvSpPr>
+        <p:spPr/>
+        <p:txBody>
+          <a:bodyPr/>
+          <a:lstStyle/>
+          <a:p>
+            <a:pPr marL="36900" indent="0">
+              <a:buNone/>
+            </a:pPr>
+            <a:r>
+              <a:rPr lang="pt-PT" dirty="0"/>
+              <a:t>Problemas:</a:t>
+            </a:r>
+          </a:p>
+          <a:p>
+            <a:r>
+              <a:rPr lang="pt-PT" dirty="0"/>
+              <a:t>Estruturação do Modelo Final do Projeto</a:t>
+            </a:r>
+          </a:p>
+          <a:p>
+            <a:r>
+              <a:rPr lang="pt-PT" dirty="0" err="1"/>
+              <a:t>Git</a:t>
+            </a:r>
+            <a:r>
+              <a:rPr lang="pt-PT" dirty="0"/>
+              <a:t> </a:t>
+            </a:r>
+            <a:r>
+              <a:rPr lang="pt-PT" dirty="0" err="1"/>
+              <a:t>WorkFlow</a:t>
+            </a:r>
+            <a:endParaRPr lang="pt-PT" dirty="0"/>
+          </a:p>
+          <a:p>
+            <a:endParaRPr lang="pt-PT" dirty="0"/>
+          </a:p>
+          <a:p>
+            <a:pPr marL="36900" indent="0">
+              <a:buNone/>
+            </a:pPr>
+            <a:r>
+              <a:rPr lang="pt-PT" dirty="0"/>
+              <a:t>Próximas Tarefas</a:t>
+            </a:r>
+          </a:p>
+          <a:p>
+            <a:r>
+              <a:rPr lang="pt-PT" dirty="0"/>
+              <a:t>Marcação de Atendimentos</a:t>
+            </a:r>
+          </a:p>
+          <a:p>
+            <a:r>
+              <a:rPr lang="pt-PT" dirty="0"/>
+              <a:t>Filtragem</a:t>
+            </a:r>
+          </a:p>
+          <a:p>
+            <a:r>
+              <a:rPr lang="pt-PT" dirty="0"/>
+              <a:t>Autenticação / Autorização</a:t>
+            </a:r>
+          </a:p>
+          <a:p>
+            <a:endParaRPr lang="pt-PT" dirty="0"/>
+          </a:p>
+          <a:p>
+            <a:endParaRPr lang="pt-PT" dirty="0"/>
+          </a:p>
+          <a:p>
+            <a:endParaRPr lang="pt-PT" dirty="0"/>
+          </a:p>
+        </p:txBody>
+      </p:sp>
+    </p:spTree>
+    <p:extLst>
+      <p:ext uri="{BB962C8B-B14F-4D97-AF65-F5344CB8AC3E}">
+        <p14:creationId xmlns:p14="http://schemas.microsoft.com/office/powerpoint/2010/main" val="327962614"/>
       </p:ext>
     </p:extLst>
   </p:cSld>

--- a/Primeira-Apresentação.pptx
+++ b/Primeira-Apresentação.pptx
@@ -9,7 +9,8 @@
     <p:sldId id="260" r:id="rId3"/>
     <p:sldId id="257" r:id="rId4"/>
     <p:sldId id="258" r:id="rId5"/>
-    <p:sldId id="259" r:id="rId6"/>
+    <p:sldId id="261" r:id="rId6"/>
+    <p:sldId id="259" r:id="rId7"/>
   </p:sldIdLst>
   <p:sldSz cx="12192000" cy="6858000"/>
   <p:notesSz cx="6858000" cy="9144000"/>
@@ -301,7 +302,7 @@
           <a:p>
             <a:fld id="{62D6E202-B606-4609-B914-27C9371A1F6D}" type="datetime1">
               <a:rPr lang="en-US" smtClean="0"/>
-              <a:t>11/27/2019</a:t>
+              <a:t>12/11/2019</a:t>
             </a:fld>
             <a:endParaRPr lang="en-US" dirty="0"/>
           </a:p>
@@ -600,7 +601,7 @@
           <a:p>
             <a:fld id="{62D6E202-B606-4609-B914-27C9371A1F6D}" type="datetime1">
               <a:rPr lang="en-US" smtClean="0"/>
-              <a:t>11/27/2019</a:t>
+              <a:t>12/11/2019</a:t>
             </a:fld>
             <a:endParaRPr lang="en-US" dirty="0"/>
           </a:p>
@@ -793,7 +794,7 @@
           <a:p>
             <a:fld id="{62D6E202-B606-4609-B914-27C9371A1F6D}" type="datetime1">
               <a:rPr lang="en-US" smtClean="0"/>
-              <a:t>11/27/2019</a:t>
+              <a:t>12/11/2019</a:t>
             </a:fld>
             <a:endParaRPr lang="en-US" dirty="0"/>
           </a:p>
@@ -1055,7 +1056,7 @@
           <a:p>
             <a:fld id="{62D6E202-B606-4609-B914-27C9371A1F6D}" type="datetime1">
               <a:rPr lang="en-US" smtClean="0"/>
-              <a:t>11/27/2019</a:t>
+              <a:t>12/11/2019</a:t>
             </a:fld>
             <a:endParaRPr lang="en-US" dirty="0"/>
           </a:p>
@@ -1480,7 +1481,7 @@
           <a:p>
             <a:fld id="{62D6E202-B606-4609-B914-27C9371A1F6D}" type="datetime1">
               <a:rPr lang="en-US" smtClean="0"/>
-              <a:t>11/27/2019</a:t>
+              <a:t>12/11/2019</a:t>
             </a:fld>
             <a:endParaRPr lang="en-US" dirty="0"/>
           </a:p>
@@ -2018,7 +2019,7 @@
           <a:p>
             <a:fld id="{62D6E202-B606-4609-B914-27C9371A1F6D}" type="datetime1">
               <a:rPr lang="en-US" smtClean="0"/>
-              <a:t>11/27/2019</a:t>
+              <a:t>12/11/2019</a:t>
             </a:fld>
             <a:endParaRPr lang="en-US" dirty="0"/>
           </a:p>
@@ -2883,7 +2884,7 @@
           <a:p>
             <a:fld id="{62D6E202-B606-4609-B914-27C9371A1F6D}" type="datetime1">
               <a:rPr lang="en-US" smtClean="0"/>
-              <a:t>11/27/2019</a:t>
+              <a:t>12/11/2019</a:t>
             </a:fld>
             <a:endParaRPr lang="en-US" dirty="0"/>
           </a:p>
@@ -3054,7 +3055,7 @@
           <a:p>
             <a:fld id="{62D6E202-B606-4609-B914-27C9371A1F6D}" type="datetime1">
               <a:rPr lang="en-US" smtClean="0"/>
-              <a:t>11/27/2019</a:t>
+              <a:t>12/11/2019</a:t>
             </a:fld>
             <a:endParaRPr lang="en-US" dirty="0"/>
           </a:p>
@@ -3239,7 +3240,7 @@
           <a:p>
             <a:fld id="{62D6E202-B606-4609-B914-27C9371A1F6D}" type="datetime1">
               <a:rPr lang="en-US" smtClean="0"/>
-              <a:t>11/27/2019</a:t>
+              <a:t>12/11/2019</a:t>
             </a:fld>
             <a:endParaRPr lang="en-US" dirty="0"/>
           </a:p>
@@ -3410,7 +3411,7 @@
           <a:p>
             <a:fld id="{62D6E202-B606-4609-B914-27C9371A1F6D}" type="datetime1">
               <a:rPr lang="en-US" smtClean="0"/>
-              <a:t>11/27/2019</a:t>
+              <a:t>12/11/2019</a:t>
             </a:fld>
             <a:endParaRPr lang="en-US" dirty="0"/>
           </a:p>
@@ -3655,7 +3656,7 @@
           <a:p>
             <a:fld id="{62D6E202-B606-4609-B914-27C9371A1F6D}" type="datetime1">
               <a:rPr lang="en-US" smtClean="0"/>
-              <a:t>11/27/2019</a:t>
+              <a:t>12/11/2019</a:t>
             </a:fld>
             <a:endParaRPr lang="en-US" dirty="0"/>
           </a:p>
@@ -3892,7 +3893,7 @@
           <a:p>
             <a:fld id="{62D6E202-B606-4609-B914-27C9371A1F6D}" type="datetime1">
               <a:rPr lang="en-US" smtClean="0"/>
-              <a:t>11/27/2019</a:t>
+              <a:t>12/11/2019</a:t>
             </a:fld>
             <a:endParaRPr lang="en-US" dirty="0"/>
           </a:p>
@@ -4359,7 +4360,7 @@
           <a:p>
             <a:fld id="{62D6E202-B606-4609-B914-27C9371A1F6D}" type="datetime1">
               <a:rPr lang="en-US" smtClean="0"/>
-              <a:t>11/27/2019</a:t>
+              <a:t>12/11/2019</a:t>
             </a:fld>
             <a:endParaRPr lang="en-US" dirty="0"/>
           </a:p>
@@ -4478,7 +4479,7 @@
           <a:p>
             <a:fld id="{62D6E202-B606-4609-B914-27C9371A1F6D}" type="datetime1">
               <a:rPr lang="en-US" smtClean="0"/>
-              <a:t>11/27/2019</a:t>
+              <a:t>12/11/2019</a:t>
             </a:fld>
             <a:endParaRPr lang="en-US" dirty="0"/>
           </a:p>
@@ -4574,7 +4575,7 @@
           <a:p>
             <a:fld id="{62D6E202-B606-4609-B914-27C9371A1F6D}" type="datetime1">
               <a:rPr lang="en-US" smtClean="0"/>
-              <a:t>11/27/2019</a:t>
+              <a:t>12/11/2019</a:t>
             </a:fld>
             <a:endParaRPr lang="en-US" dirty="0"/>
           </a:p>
@@ -4830,7 +4831,7 @@
           <a:p>
             <a:fld id="{62D6E202-B606-4609-B914-27C9371A1F6D}" type="datetime1">
               <a:rPr lang="en-US" smtClean="0"/>
-              <a:t>11/27/2019</a:t>
+              <a:t>12/11/2019</a:t>
             </a:fld>
             <a:endParaRPr lang="en-US" dirty="0"/>
           </a:p>
@@ -5131,7 +5132,7 @@
           <a:p>
             <a:fld id="{62D6E202-B606-4609-B914-27C9371A1F6D}" type="datetime1">
               <a:rPr lang="en-US" smtClean="0"/>
-              <a:t>11/27/2019</a:t>
+              <a:t>12/11/2019</a:t>
             </a:fld>
             <a:endParaRPr lang="en-US" dirty="0"/>
           </a:p>
@@ -5366,7 +5367,7 @@
           <a:p>
             <a:fld id="{62D6E202-B606-4609-B914-27C9371A1F6D}" type="datetime1">
               <a:rPr lang="en-US" smtClean="0"/>
-              <a:t>11/27/2019</a:t>
+              <a:t>12/11/2019</a:t>
             </a:fld>
             <a:endParaRPr lang="en-US" dirty="0"/>
           </a:p>
@@ -6253,7 +6254,7 @@
         <p:spPr/>
         <p:txBody>
           <a:bodyPr>
-            <a:normAutofit/>
+            <a:normAutofit fontScale="92500" lnSpcReduction="20000"/>
           </a:bodyPr>
           <a:lstStyle/>
           <a:p>
@@ -6277,6 +6278,18 @@
             </a:r>
           </a:p>
           <a:p>
+            <a:pPr lvl="1"/>
+            <a:r>
+              <a:rPr lang="pt-PT" dirty="0"/>
+              <a:t>Alguns Diagramas de </a:t>
+            </a:r>
+            <a:r>
+              <a:rPr lang="pt-PT" dirty="0" err="1"/>
+              <a:t>Sequêcia</a:t>
+            </a:r>
+            <a:endParaRPr lang="pt-PT" dirty="0"/>
+          </a:p>
+          <a:p>
             <a:pPr marL="36900" indent="0">
               <a:buNone/>
             </a:pPr>
@@ -6307,6 +6320,13 @@
             <a:r>
               <a:rPr lang="pt-PT" dirty="0"/>
               <a:t>Controladores</a:t>
+            </a:r>
+          </a:p>
+          <a:p>
+            <a:pPr lvl="1"/>
+            <a:r>
+              <a:rPr lang="pt-PT" dirty="0"/>
+              <a:t>Serviços</a:t>
             </a:r>
           </a:p>
           <a:p>
@@ -6389,10 +6409,10 @@
       </p:sp>
       <p:pic>
         <p:nvPicPr>
-          <p:cNvPr id="4" name="Marcador de Posição de Conteúdo 3">
+          <p:cNvPr id="12" name="Marcador de Posição de Conteúdo 11">
             <a:extLst>
               <a:ext uri="{FF2B5EF4-FFF2-40B4-BE49-F238E27FC236}">
-                <a16:creationId xmlns:a16="http://schemas.microsoft.com/office/drawing/2014/main" id="{10EEA1BE-EF2C-4478-AE72-F727EECC235C}"/>
+                <a16:creationId xmlns:a16="http://schemas.microsoft.com/office/drawing/2014/main" id="{B0AC118B-BDDF-4D42-868D-B5EC29F31F43}"/>
               </a:ext>
             </a:extLst>
           </p:cNvPr>
@@ -6404,19 +6424,22 @@
           </p:nvPr>
         </p:nvPicPr>
         <p:blipFill>
-          <a:blip r:embed="rId2"/>
+          <a:blip r:embed="rId2">
+            <a:extLst>
+              <a:ext uri="{28A0092B-C50C-407E-A947-70E740481C1C}">
+                <a14:useLocalDpi xmlns:a14="http://schemas.microsoft.com/office/drawing/2010/main" val="0"/>
+              </a:ext>
+            </a:extLst>
+          </a:blip>
           <a:stretch>
             <a:fillRect/>
           </a:stretch>
         </p:blipFill>
         <p:spPr>
           <a:xfrm>
-            <a:off x="1681495" y="1113520"/>
-            <a:ext cx="8304715" cy="5561416"/>
+            <a:off x="912562" y="938590"/>
+            <a:ext cx="10224366" cy="6297097"/>
           </a:xfrm>
-          <a:prstGeom prst="rect">
-            <a:avLst/>
-          </a:prstGeom>
         </p:spPr>
       </p:pic>
     </p:spTree>
@@ -6521,6 +6544,124 @@
 </file>
 
 <file path=ppt/slides/slide5.xml><?xml version="1.0" encoding="utf-8"?>
+<p:sld xmlns:a="http://schemas.openxmlformats.org/drawingml/2006/main" xmlns:r="http://schemas.openxmlformats.org/officeDocument/2006/relationships" xmlns:p="http://schemas.openxmlformats.org/presentationml/2006/main">
+  <p:cSld>
+    <p:spTree>
+      <p:nvGrpSpPr>
+        <p:cNvPr id="1" name=""/>
+        <p:cNvGrpSpPr/>
+        <p:nvPr/>
+      </p:nvGrpSpPr>
+      <p:grpSpPr>
+        <a:xfrm>
+          <a:off x="0" y="0"/>
+          <a:ext cx="0" cy="0"/>
+          <a:chOff x="0" y="0"/>
+          <a:chExt cx="0" cy="0"/>
+        </a:xfrm>
+      </p:grpSpPr>
+      <p:sp>
+        <p:nvSpPr>
+          <p:cNvPr id="2" name="Título 1">
+            <a:extLst>
+              <a:ext uri="{FF2B5EF4-FFF2-40B4-BE49-F238E27FC236}">
+                <a16:creationId xmlns:a16="http://schemas.microsoft.com/office/drawing/2014/main" id="{3BAC73C3-017D-4FF0-BF56-3EFAB05784A3}"/>
+              </a:ext>
+            </a:extLst>
+          </p:cNvPr>
+          <p:cNvSpPr>
+            <a:spLocks noGrp="1"/>
+          </p:cNvSpPr>
+          <p:nvPr>
+            <p:ph type="title"/>
+          </p:nvPr>
+        </p:nvSpPr>
+        <p:spPr/>
+        <p:txBody>
+          <a:bodyPr/>
+          <a:lstStyle/>
+          <a:p>
+            <a:r>
+              <a:rPr lang="pt-PT" dirty="0"/>
+              <a:t>Diagramas de Sequência</a:t>
+            </a:r>
+          </a:p>
+        </p:txBody>
+      </p:sp>
+      <p:pic>
+        <p:nvPicPr>
+          <p:cNvPr id="7" name="Imagem 6">
+            <a:extLst>
+              <a:ext uri="{FF2B5EF4-FFF2-40B4-BE49-F238E27FC236}">
+                <a16:creationId xmlns:a16="http://schemas.microsoft.com/office/drawing/2014/main" id="{B9EE5093-42F9-4882-AAF0-EA11EDBC6087}"/>
+              </a:ext>
+            </a:extLst>
+          </p:cNvPr>
+          <p:cNvPicPr>
+            <a:picLocks noChangeAspect="1"/>
+          </p:cNvPicPr>
+          <p:nvPr/>
+        </p:nvPicPr>
+        <p:blipFill>
+          <a:blip r:embed="rId2"/>
+          <a:stretch>
+            <a:fillRect/>
+          </a:stretch>
+        </p:blipFill>
+        <p:spPr>
+          <a:xfrm>
+            <a:off x="627896" y="1577575"/>
+            <a:ext cx="4930065" cy="4907159"/>
+          </a:xfrm>
+          <a:prstGeom prst="rect">
+            <a:avLst/>
+          </a:prstGeom>
+        </p:spPr>
+      </p:pic>
+      <p:pic>
+        <p:nvPicPr>
+          <p:cNvPr id="8" name="Imagem 7">
+            <a:extLst>
+              <a:ext uri="{FF2B5EF4-FFF2-40B4-BE49-F238E27FC236}">
+                <a16:creationId xmlns:a16="http://schemas.microsoft.com/office/drawing/2014/main" id="{D87AA099-8EB3-4301-84E1-3FD879BF3743}"/>
+              </a:ext>
+            </a:extLst>
+          </p:cNvPr>
+          <p:cNvPicPr>
+            <a:picLocks noChangeAspect="1"/>
+          </p:cNvPicPr>
+          <p:nvPr/>
+        </p:nvPicPr>
+        <p:blipFill>
+          <a:blip r:embed="rId3"/>
+          <a:stretch>
+            <a:fillRect/>
+          </a:stretch>
+        </p:blipFill>
+        <p:spPr>
+          <a:xfrm>
+            <a:off x="6273579" y="1580050"/>
+            <a:ext cx="4619708" cy="4902208"/>
+          </a:xfrm>
+          <a:prstGeom prst="rect">
+            <a:avLst/>
+          </a:prstGeom>
+        </p:spPr>
+      </p:pic>
+    </p:spTree>
+    <p:extLst>
+      <p:ext uri="{BB962C8B-B14F-4D97-AF65-F5344CB8AC3E}">
+        <p14:creationId xmlns:p14="http://schemas.microsoft.com/office/powerpoint/2010/main" val="2954933015"/>
+      </p:ext>
+    </p:extLst>
+  </p:cSld>
+  <p:clrMapOvr>
+    <a:masterClrMapping/>
+  </p:clrMapOvr>
+</p:sld>
+</file>
+
+<file path=ppt/slides/slide6.xml><?xml version="1.0" encoding="utf-8"?>
 <p:sld xmlns:a="http://schemas.openxmlformats.org/drawingml/2006/main" xmlns:r="http://schemas.openxmlformats.org/officeDocument/2006/relationships" xmlns:p="http://schemas.openxmlformats.org/presentationml/2006/main">
   <p:cSld>
     <p:spTree>
